--- a/slide/ppt/BasicMapping.pptx
+++ b/slide/ppt/BasicMapping.pptx
@@ -6,9 +6,12 @@
   </p:sldMasterIdLst>
   <p:sldIdLst>
     <p:sldId id="256" r:id="rId2"/>
-    <p:sldId id="257" r:id="rId3"/>
-    <p:sldId id="259" r:id="rId4"/>
-    <p:sldId id="258" r:id="rId5"/>
+    <p:sldId id="261" r:id="rId3"/>
+    <p:sldId id="263" r:id="rId4"/>
+    <p:sldId id="262" r:id="rId5"/>
+    <p:sldId id="259" r:id="rId6"/>
+    <p:sldId id="258" r:id="rId7"/>
+    <p:sldId id="260" r:id="rId8"/>
   </p:sldIdLst>
   <p:sldSz cx="9144000" cy="6858000" type="screen4x3"/>
   <p:notesSz cx="6858000" cy="9144000"/>
@@ -368,7 +371,7 @@
     </p:spTree>
     <p:extLst>
       <p:ext uri="{BB962C8B-B14F-4D97-AF65-F5344CB8AC3E}">
-        <p14:creationId xmlns:p14="http://schemas.microsoft.com/office/powerpoint/2010/main" xmlns="" val="3253875174"/>
+        <p14:creationId xmlns="" xmlns:p14="http://schemas.microsoft.com/office/powerpoint/2010/main" val="3253875174"/>
       </p:ext>
     </p:extLst>
   </p:cSld>
@@ -623,7 +626,7 @@
     </p:spTree>
     <p:extLst>
       <p:ext uri="{BB962C8B-B14F-4D97-AF65-F5344CB8AC3E}">
-        <p14:creationId xmlns:p14="http://schemas.microsoft.com/office/powerpoint/2010/main" xmlns="" val="477607843"/>
+        <p14:creationId xmlns="" xmlns:p14="http://schemas.microsoft.com/office/powerpoint/2010/main" val="477607843"/>
       </p:ext>
     </p:extLst>
   </p:cSld>
@@ -795,7 +798,7 @@
     </p:spTree>
     <p:extLst>
       <p:ext uri="{BB962C8B-B14F-4D97-AF65-F5344CB8AC3E}">
-        <p14:creationId xmlns:p14="http://schemas.microsoft.com/office/powerpoint/2010/main" xmlns="" val="3428665726"/>
+        <p14:creationId xmlns="" xmlns:p14="http://schemas.microsoft.com/office/powerpoint/2010/main" val="3428665726"/>
       </p:ext>
     </p:extLst>
   </p:cSld>
@@ -977,7 +980,7 @@
     </p:spTree>
     <p:extLst>
       <p:ext uri="{BB962C8B-B14F-4D97-AF65-F5344CB8AC3E}">
-        <p14:creationId xmlns:p14="http://schemas.microsoft.com/office/powerpoint/2010/main" xmlns="" val="893609949"/>
+        <p14:creationId xmlns="" xmlns:p14="http://schemas.microsoft.com/office/powerpoint/2010/main" val="893609949"/>
       </p:ext>
     </p:extLst>
   </p:cSld>
@@ -1205,7 +1208,7 @@
     </p:spTree>
     <p:extLst>
       <p:ext uri="{BB962C8B-B14F-4D97-AF65-F5344CB8AC3E}">
-        <p14:creationId xmlns:p14="http://schemas.microsoft.com/office/powerpoint/2010/main" xmlns="" val="1664471362"/>
+        <p14:creationId xmlns="" xmlns:p14="http://schemas.microsoft.com/office/powerpoint/2010/main" val="1664471362"/>
       </p:ext>
     </p:extLst>
   </p:cSld>
@@ -1433,7 +1436,7 @@
     </p:spTree>
     <p:extLst>
       <p:ext uri="{BB962C8B-B14F-4D97-AF65-F5344CB8AC3E}">
-        <p14:creationId xmlns:p14="http://schemas.microsoft.com/office/powerpoint/2010/main" xmlns="" val="1629391393"/>
+        <p14:creationId xmlns="" xmlns:p14="http://schemas.microsoft.com/office/powerpoint/2010/main" val="1629391393"/>
       </p:ext>
     </p:extLst>
   </p:cSld>
@@ -1681,7 +1684,7 @@
     </p:spTree>
     <p:extLst>
       <p:ext uri="{BB962C8B-B14F-4D97-AF65-F5344CB8AC3E}">
-        <p14:creationId xmlns:p14="http://schemas.microsoft.com/office/powerpoint/2010/main" xmlns="" val="3863441575"/>
+        <p14:creationId xmlns="" xmlns:p14="http://schemas.microsoft.com/office/powerpoint/2010/main" val="3863441575"/>
       </p:ext>
     </p:extLst>
   </p:cSld>
@@ -1971,7 +1974,7 @@
     </p:spTree>
     <p:extLst>
       <p:ext uri="{BB962C8B-B14F-4D97-AF65-F5344CB8AC3E}">
-        <p14:creationId xmlns:p14="http://schemas.microsoft.com/office/powerpoint/2010/main" xmlns="" val="3556791830"/>
+        <p14:creationId xmlns="" xmlns:p14="http://schemas.microsoft.com/office/powerpoint/2010/main" val="3556791830"/>
       </p:ext>
     </p:extLst>
   </p:cSld>
@@ -2454,7 +2457,7 @@
     </p:spTree>
     <p:extLst>
       <p:ext uri="{BB962C8B-B14F-4D97-AF65-F5344CB8AC3E}">
-        <p14:creationId xmlns:p14="http://schemas.microsoft.com/office/powerpoint/2010/main" xmlns="" val="4122911988"/>
+        <p14:creationId xmlns="" xmlns:p14="http://schemas.microsoft.com/office/powerpoint/2010/main" val="4122911988"/>
       </p:ext>
     </p:extLst>
   </p:cSld>
@@ -2574,7 +2577,7 @@
     </p:spTree>
     <p:extLst>
       <p:ext uri="{BB962C8B-B14F-4D97-AF65-F5344CB8AC3E}">
-        <p14:creationId xmlns:p14="http://schemas.microsoft.com/office/powerpoint/2010/main" xmlns="" val="3029773110"/>
+        <p14:creationId xmlns="" xmlns:p14="http://schemas.microsoft.com/office/powerpoint/2010/main" val="3029773110"/>
       </p:ext>
     </p:extLst>
   </p:cSld>
@@ -2671,7 +2674,7 @@
     </p:spTree>
     <p:extLst>
       <p:ext uri="{BB962C8B-B14F-4D97-AF65-F5344CB8AC3E}">
-        <p14:creationId xmlns:p14="http://schemas.microsoft.com/office/powerpoint/2010/main" xmlns="" val="4251864075"/>
+        <p14:creationId xmlns="" xmlns:p14="http://schemas.microsoft.com/office/powerpoint/2010/main" val="4251864075"/>
       </p:ext>
     </p:extLst>
   </p:cSld>
@@ -2950,7 +2953,7 @@
     </p:spTree>
     <p:extLst>
       <p:ext uri="{BB962C8B-B14F-4D97-AF65-F5344CB8AC3E}">
-        <p14:creationId xmlns:p14="http://schemas.microsoft.com/office/powerpoint/2010/main" xmlns="" val="3174452648"/>
+        <p14:creationId xmlns="" xmlns:p14="http://schemas.microsoft.com/office/powerpoint/2010/main" val="3174452648"/>
       </p:ext>
     </p:extLst>
   </p:cSld>
@@ -3210,7 +3213,7 @@
     </p:spTree>
     <p:extLst>
       <p:ext uri="{BB962C8B-B14F-4D97-AF65-F5344CB8AC3E}">
-        <p14:creationId xmlns:p14="http://schemas.microsoft.com/office/powerpoint/2010/main" xmlns="" val="1944039382"/>
+        <p14:creationId xmlns="" xmlns:p14="http://schemas.microsoft.com/office/powerpoint/2010/main" val="1944039382"/>
       </p:ext>
     </p:extLst>
   </p:cSld>
@@ -3573,7 +3576,7 @@
     </p:spTree>
     <p:extLst>
       <p:ext uri="{BB962C8B-B14F-4D97-AF65-F5344CB8AC3E}">
-        <p14:creationId xmlns:p14="http://schemas.microsoft.com/office/powerpoint/2010/main" xmlns="" val="363920370"/>
+        <p14:creationId xmlns="" xmlns:p14="http://schemas.microsoft.com/office/powerpoint/2010/main" val="363920370"/>
       </p:ext>
     </p:extLst>
   </p:cSld>
@@ -3679,7 +3682,7 @@
     </p:spTree>
     <p:extLst>
       <p:ext uri="{BB962C8B-B14F-4D97-AF65-F5344CB8AC3E}">
-        <p14:creationId xmlns:p14="http://schemas.microsoft.com/office/powerpoint/2010/main" xmlns="" val="4103309497"/>
+        <p14:creationId xmlns="" xmlns:p14="http://schemas.microsoft.com/office/powerpoint/2010/main" val="4103309497"/>
       </p:ext>
     </p:extLst>
   </p:cSld>
@@ -3690,6 +3693,176 @@
 </file>
 
 <file path=ppt/slides/slide3.xml><?xml version="1.0" encoding="utf-8"?>
+<p:sld xmlns:a="http://schemas.openxmlformats.org/drawingml/2006/main" xmlns:r="http://schemas.openxmlformats.org/officeDocument/2006/relationships" xmlns:p="http://schemas.openxmlformats.org/presentationml/2006/main">
+  <p:cSld>
+    <p:spTree>
+      <p:nvGrpSpPr>
+        <p:cNvPr id="1" name=""/>
+        <p:cNvGrpSpPr/>
+        <p:nvPr/>
+      </p:nvGrpSpPr>
+      <p:grpSpPr>
+        <a:xfrm>
+          <a:off x="0" y="0"/>
+          <a:ext cx="0" cy="0"/>
+          <a:chOff x="0" y="0"/>
+          <a:chExt cx="0" cy="0"/>
+        </a:xfrm>
+      </p:grpSpPr>
+      <p:sp>
+        <p:nvSpPr>
+          <p:cNvPr id="2" name="Title 1"/>
+          <p:cNvSpPr>
+            <a:spLocks noGrp="1"/>
+          </p:cNvSpPr>
+          <p:nvPr>
+            <p:ph type="title"/>
+          </p:nvPr>
+        </p:nvSpPr>
+        <p:spPr/>
+        <p:txBody>
+          <a:bodyPr>
+            <a:normAutofit/>
+          </a:bodyPr>
+          <a:lstStyle/>
+          <a:p>
+            <a:r>
+              <a:rPr lang="en-US" dirty="0" smtClean="0"/>
+              <a:t>Slide Title</a:t>
+            </a:r>
+            <a:endParaRPr lang="en-US" dirty="0"/>
+          </a:p>
+        </p:txBody>
+      </p:sp>
+      <p:pic>
+        <p:nvPicPr>
+          <p:cNvPr id="6" name="Picture Placeholder 5" descr="definition.jpg"/>
+          <p:cNvPicPr>
+            <a:picLocks noGrp="1" noChangeAspect="1"/>
+          </p:cNvPicPr>
+          <p:nvPr>
+            <p:ph type="pic" idx="1"/>
+          </p:nvPr>
+        </p:nvPicPr>
+        <p:blipFill>
+          <a:blip r:embed="rId2"/>
+          <a:srcRect t="8820" b="8820"/>
+          <a:stretch>
+            <a:fillRect/>
+          </a:stretch>
+        </p:blipFill>
+        <p:spPr>
+          <a:xfrm>
+            <a:off x="1828800" y="1371600"/>
+            <a:ext cx="6705600" cy="4343400"/>
+          </a:xfrm>
+        </p:spPr>
+      </p:pic>
+      <p:sp>
+        <p:nvSpPr>
+          <p:cNvPr id="3" name="Content Placeholder 2"/>
+          <p:cNvSpPr>
+            <a:spLocks noGrp="1"/>
+          </p:cNvSpPr>
+          <p:nvPr>
+            <p:ph type="body" sz="half" idx="2"/>
+          </p:nvPr>
+        </p:nvSpPr>
+        <p:spPr/>
+        <p:txBody>
+          <a:bodyPr/>
+          <a:lstStyle/>
+          <a:p>
+            <a:endParaRPr lang="en-US" dirty="0" smtClean="0"/>
+          </a:p>
+          <a:p>
+            <a:endParaRPr lang="en-US" dirty="0"/>
+          </a:p>
+        </p:txBody>
+      </p:sp>
+    </p:spTree>
+    <p:extLst>
+      <p:ext uri="{BB962C8B-B14F-4D97-AF65-F5344CB8AC3E}">
+        <p14:creationId xmlns="" xmlns:p14="http://schemas.microsoft.com/office/powerpoint/2010/main" val="4103309497"/>
+      </p:ext>
+    </p:extLst>
+  </p:cSld>
+  <p:clrMapOvr>
+    <a:masterClrMapping/>
+  </p:clrMapOvr>
+</p:sld>
+</file>
+
+<file path=ppt/slides/slide4.xml><?xml version="1.0" encoding="utf-8"?>
+<p:sld xmlns:a="http://schemas.openxmlformats.org/drawingml/2006/main" xmlns:r="http://schemas.openxmlformats.org/officeDocument/2006/relationships" xmlns:p="http://schemas.openxmlformats.org/presentationml/2006/main">
+  <p:cSld>
+    <p:spTree>
+      <p:nvGrpSpPr>
+        <p:cNvPr id="1" name=""/>
+        <p:cNvGrpSpPr/>
+        <p:nvPr/>
+      </p:nvGrpSpPr>
+      <p:grpSpPr>
+        <a:xfrm>
+          <a:off x="0" y="0"/>
+          <a:ext cx="0" cy="0"/>
+          <a:chOff x="0" y="0"/>
+          <a:chExt cx="0" cy="0"/>
+        </a:xfrm>
+      </p:grpSpPr>
+      <p:sp>
+        <p:nvSpPr>
+          <p:cNvPr id="4" name="Title 3"/>
+          <p:cNvSpPr>
+            <a:spLocks noGrp="1"/>
+          </p:cNvSpPr>
+          <p:nvPr>
+            <p:ph type="title"/>
+          </p:nvPr>
+        </p:nvSpPr>
+        <p:spPr/>
+        <p:txBody>
+          <a:bodyPr>
+            <a:normAutofit fontScale="90000"/>
+          </a:bodyPr>
+          <a:lstStyle/>
+          <a:p>
+            <a:endParaRPr lang="en-US"/>
+          </a:p>
+        </p:txBody>
+      </p:sp>
+      <p:pic>
+        <p:nvPicPr>
+          <p:cNvPr id="6" name="Content Placeholder 5" descr="organization.png"/>
+          <p:cNvPicPr>
+            <a:picLocks noGrp="1"/>
+          </p:cNvPicPr>
+          <p:nvPr>
+            <p:ph idx="1"/>
+          </p:nvPr>
+        </p:nvPicPr>
+        <p:blipFill>
+          <a:blip r:embed="rId2"/>
+          <a:stretch>
+            <a:fillRect/>
+          </a:stretch>
+        </p:blipFill>
+        <p:spPr>
+          <a:xfrm>
+            <a:off x="1819656" y="1289304"/>
+            <a:ext cx="6876288" cy="5193792"/>
+          </a:xfrm>
+        </p:spPr>
+      </p:pic>
+    </p:spTree>
+  </p:cSld>
+  <p:clrMapOvr>
+    <a:masterClrMapping/>
+  </p:clrMapOvr>
+</p:sld>
+</file>
+
+<file path=ppt/slides/slide5.xml><?xml version="1.0" encoding="utf-8"?>
 <p:sld xmlns:a="http://schemas.openxmlformats.org/drawingml/2006/main" xmlns:r="http://schemas.openxmlformats.org/officeDocument/2006/relationships" xmlns:p="http://schemas.openxmlformats.org/presentationml/2006/main">
   <p:cSld>
     <p:bg>
@@ -3793,7 +3966,7 @@
     </p:spTree>
     <p:extLst>
       <p:ext uri="{BB962C8B-B14F-4D97-AF65-F5344CB8AC3E}">
-        <p14:creationId xmlns:p14="http://schemas.microsoft.com/office/powerpoint/2010/main" xmlns="" val="1101633878"/>
+        <p14:creationId xmlns="" xmlns:p14="http://schemas.microsoft.com/office/powerpoint/2010/main" val="1101633878"/>
       </p:ext>
     </p:extLst>
   </p:cSld>
@@ -3803,7 +3976,7 @@
 </p:sld>
 </file>
 
-<file path=ppt/slides/slide4.xml><?xml version="1.0" encoding="utf-8"?>
+<file path=ppt/slides/slide6.xml><?xml version="1.0" encoding="utf-8"?>
 <p:sld xmlns:a="http://schemas.openxmlformats.org/drawingml/2006/main" xmlns:r="http://schemas.openxmlformats.org/officeDocument/2006/relationships" xmlns:p="http://schemas.openxmlformats.org/presentationml/2006/main">
   <p:cSld>
     <p:spTree>
@@ -3888,23 +4061,7 @@
           <a:bodyPr/>
           <a:lstStyle/>
           <a:p>
-            <a:r>
-              <a:rPr lang="en-US" smtClean="0"/>
-              <a:t>Feature 1</a:t>
-            </a:r>
-          </a:p>
-          <a:p>
-            <a:r>
-              <a:rPr lang="en-US" smtClean="0"/>
-              <a:t>Feature 2</a:t>
-            </a:r>
-          </a:p>
-          <a:p>
-            <a:r>
-              <a:rPr lang="en-US" smtClean="0"/>
-              <a:t>Feature 3</a:t>
-            </a:r>
-            <a:endParaRPr lang="en-US"/>
+            <a:endParaRPr lang="en-US" dirty="0"/>
           </a:p>
         </p:txBody>
       </p:sp>
@@ -3931,45 +4088,209 @@
           </a:p>
         </p:txBody>
       </p:sp>
-      <p:sp>
-        <p:nvSpPr>
-          <p:cNvPr id="8" name="Content Placeholder 7"/>
-          <p:cNvSpPr>
-            <a:spLocks noGrp="1"/>
-          </p:cNvSpPr>
+      <p:pic>
+        <p:nvPicPr>
+          <p:cNvPr id="9" name="Content Placeholder 8" descr="bases.png"/>
+          <p:cNvPicPr>
+            <a:picLocks noGrp="1"/>
+          </p:cNvPicPr>
           <p:nvPr>
             <p:ph sz="quarter" idx="4"/>
           </p:nvPr>
-        </p:nvSpPr>
-        <p:spPr/>
-        <p:txBody>
-          <a:bodyPr/>
-          <a:lstStyle/>
-          <a:p>
-            <a:r>
-              <a:rPr lang="en-US" smtClean="0"/>
-              <a:t>Feature 1</a:t>
-            </a:r>
-          </a:p>
-          <a:p>
-            <a:r>
-              <a:rPr lang="en-US" smtClean="0"/>
-              <a:t>Feature 2</a:t>
-            </a:r>
-          </a:p>
-          <a:p>
-            <a:r>
-              <a:rPr lang="en-US" smtClean="0"/>
-              <a:t>Feature 3</a:t>
-            </a:r>
-            <a:endParaRPr lang="en-US"/>
-          </a:p>
-        </p:txBody>
-      </p:sp>
+        </p:nvPicPr>
+        <p:blipFill>
+          <a:blip r:embed="rId2"/>
+          <a:stretch>
+            <a:fillRect/>
+          </a:stretch>
+        </p:blipFill>
+        <p:spPr>
+          <a:xfrm>
+            <a:off x="4727448" y="2532888"/>
+            <a:ext cx="4041648" cy="3035808"/>
+          </a:xfrm>
+        </p:spPr>
+      </p:pic>
     </p:spTree>
     <p:extLst>
       <p:ext uri="{BB962C8B-B14F-4D97-AF65-F5344CB8AC3E}">
-        <p14:creationId xmlns:p14="http://schemas.microsoft.com/office/powerpoint/2010/main" xmlns="" val="4170783713"/>
+        <p14:creationId xmlns="" xmlns:p14="http://schemas.microsoft.com/office/powerpoint/2010/main" val="4170783713"/>
+      </p:ext>
+    </p:extLst>
+  </p:cSld>
+  <p:clrMapOvr>
+    <a:masterClrMapping/>
+  </p:clrMapOvr>
+</p:sld>
+</file>
+
+<file path=ppt/slides/slide7.xml><?xml version="1.0" encoding="utf-8"?>
+<p:sld xmlns:a="http://schemas.openxmlformats.org/drawingml/2006/main" xmlns:r="http://schemas.openxmlformats.org/officeDocument/2006/relationships" xmlns:p="http://schemas.openxmlformats.org/presentationml/2006/main">
+  <p:cSld>
+    <p:spTree>
+      <p:nvGrpSpPr>
+        <p:cNvPr id="1" name=""/>
+        <p:cNvGrpSpPr/>
+        <p:nvPr/>
+      </p:nvGrpSpPr>
+      <p:grpSpPr>
+        <a:xfrm>
+          <a:off x="0" y="0"/>
+          <a:ext cx="0" cy="0"/>
+          <a:chOff x="0" y="0"/>
+          <a:chExt cx="0" cy="0"/>
+        </a:xfrm>
+      </p:grpSpPr>
+      <p:sp>
+        <p:nvSpPr>
+          <p:cNvPr id="4" name="Title 3"/>
+          <p:cNvSpPr>
+            <a:spLocks noGrp="1"/>
+          </p:cNvSpPr>
+          <p:nvPr>
+            <p:ph type="title"/>
+          </p:nvPr>
+        </p:nvSpPr>
+        <p:spPr>
+          <a:xfrm>
+            <a:off x="1823310" y="374900"/>
+            <a:ext cx="7177135" cy="532180"/>
+          </a:xfrm>
+        </p:spPr>
+        <p:txBody>
+          <a:bodyPr>
+            <a:normAutofit fontScale="90000"/>
+          </a:bodyPr>
+          <a:lstStyle/>
+          <a:p>
+            <a:r>
+              <a:rPr lang="en-US" dirty="0" smtClean="0"/>
+              <a:t>Slide Title</a:t>
+            </a:r>
+            <a:endParaRPr lang="en-US" dirty="0"/>
+          </a:p>
+        </p:txBody>
+      </p:sp>
+      <p:sp>
+        <p:nvSpPr>
+          <p:cNvPr id="5" name="Text Placeholder 4"/>
+          <p:cNvSpPr>
+            <a:spLocks noGrp="1"/>
+          </p:cNvSpPr>
+          <p:nvPr>
+            <p:ph type="body" idx="1"/>
+          </p:nvPr>
+        </p:nvSpPr>
+        <p:spPr/>
+        <p:txBody>
+          <a:bodyPr/>
+          <a:lstStyle/>
+          <a:p>
+            <a:r>
+              <a:rPr lang="en-US" smtClean="0"/>
+              <a:t>Product A</a:t>
+            </a:r>
+            <a:endParaRPr lang="en-US"/>
+          </a:p>
+        </p:txBody>
+      </p:sp>
+      <p:sp>
+        <p:nvSpPr>
+          <p:cNvPr id="6" name="Content Placeholder 5"/>
+          <p:cNvSpPr>
+            <a:spLocks noGrp="1"/>
+          </p:cNvSpPr>
+          <p:nvPr>
+            <p:ph sz="half" idx="2"/>
+          </p:nvPr>
+        </p:nvSpPr>
+        <p:spPr/>
+        <p:txBody>
+          <a:bodyPr/>
+          <a:lstStyle/>
+          <a:p>
+            <a:r>
+              <a:rPr lang="en-US" smtClean="0"/>
+              <a:t>Feature 1</a:t>
+            </a:r>
+          </a:p>
+          <a:p>
+            <a:r>
+              <a:rPr lang="en-US" smtClean="0"/>
+              <a:t>Feature 2</a:t>
+            </a:r>
+          </a:p>
+          <a:p>
+            <a:r>
+              <a:rPr lang="en-US" smtClean="0"/>
+              <a:t>Feature 3</a:t>
+            </a:r>
+            <a:endParaRPr lang="en-US"/>
+          </a:p>
+        </p:txBody>
+      </p:sp>
+      <p:sp>
+        <p:nvSpPr>
+          <p:cNvPr id="7" name="Text Placeholder 6"/>
+          <p:cNvSpPr>
+            <a:spLocks noGrp="1"/>
+          </p:cNvSpPr>
+          <p:nvPr>
+            <p:ph type="body" sz="quarter" idx="3"/>
+          </p:nvPr>
+        </p:nvSpPr>
+        <p:spPr/>
+        <p:txBody>
+          <a:bodyPr/>
+          <a:lstStyle/>
+          <a:p>
+            <a:r>
+              <a:rPr lang="en-US" smtClean="0"/>
+              <a:t>Product B</a:t>
+            </a:r>
+            <a:endParaRPr lang="en-US"/>
+          </a:p>
+        </p:txBody>
+      </p:sp>
+      <p:sp>
+        <p:nvSpPr>
+          <p:cNvPr id="8" name="Content Placeholder 7"/>
+          <p:cNvSpPr>
+            <a:spLocks noGrp="1"/>
+          </p:cNvSpPr>
+          <p:nvPr>
+            <p:ph sz="quarter" idx="4"/>
+          </p:nvPr>
+        </p:nvSpPr>
+        <p:spPr/>
+        <p:txBody>
+          <a:bodyPr/>
+          <a:lstStyle/>
+          <a:p>
+            <a:r>
+              <a:rPr lang="en-US" dirty="0" smtClean="0"/>
+              <a:t>Feature 1</a:t>
+            </a:r>
+          </a:p>
+          <a:p>
+            <a:r>
+              <a:rPr lang="en-US" dirty="0" smtClean="0"/>
+              <a:t>Feature 2</a:t>
+            </a:r>
+          </a:p>
+          <a:p>
+            <a:r>
+              <a:rPr lang="en-US" dirty="0" smtClean="0"/>
+              <a:t>Feature 3</a:t>
+            </a:r>
+            <a:endParaRPr lang="en-US" dirty="0"/>
+          </a:p>
+        </p:txBody>
+      </p:sp>
+    </p:spTree>
+    <p:extLst>
+      <p:ext uri="{BB962C8B-B14F-4D97-AF65-F5344CB8AC3E}">
+        <p14:creationId xmlns="" xmlns:p14="http://schemas.microsoft.com/office/powerpoint/2010/main" val="4170783713"/>
       </p:ext>
     </p:extLst>
   </p:cSld>

--- a/slide/ppt/BasicMapping.pptx
+++ b/slide/ppt/BasicMapping.pptx
@@ -12,6 +12,9 @@
     <p:sldId id="259" r:id="rId6"/>
     <p:sldId id="258" r:id="rId7"/>
     <p:sldId id="260" r:id="rId8"/>
+    <p:sldId id="264" r:id="rId9"/>
+    <p:sldId id="265" r:id="rId10"/>
+    <p:sldId id="266" r:id="rId11"/>
   </p:sldIdLst>
   <p:sldSz cx="9144000" cy="6858000" type="screen4x3"/>
   <p:notesSz cx="6858000" cy="9144000"/>
@@ -319,7 +322,7 @@
             <a:fld id="{53074F12-AA26-4AC8-9962-C36BB8F32554}" type="datetimeFigureOut">
               <a:rPr lang="en-US" smtClean="0"/>
               <a:pPr/>
-              <a:t>28-Jun-16</a:t>
+              <a:t>6/28/2016</a:t>
             </a:fld>
             <a:endParaRPr lang="en-US"/>
           </a:p>
@@ -371,7 +374,7 @@
     </p:spTree>
     <p:extLst>
       <p:ext uri="{BB962C8B-B14F-4D97-AF65-F5344CB8AC3E}">
-        <p14:creationId xmlns="" xmlns:p14="http://schemas.microsoft.com/office/powerpoint/2010/main" val="3253875174"/>
+        <p14:creationId xmlns:p14="http://schemas.microsoft.com/office/powerpoint/2010/main" val="3253875174"/>
       </p:ext>
     </p:extLst>
   </p:cSld>
@@ -574,7 +577,7 @@
             <a:fld id="{53074F12-AA26-4AC8-9962-C36BB8F32554}" type="datetimeFigureOut">
               <a:rPr lang="en-US" smtClean="0"/>
               <a:pPr/>
-              <a:t>28-Jun-16</a:t>
+              <a:t>6/28/2016</a:t>
             </a:fld>
             <a:endParaRPr lang="en-US"/>
           </a:p>
@@ -626,7 +629,7 @@
     </p:spTree>
     <p:extLst>
       <p:ext uri="{BB962C8B-B14F-4D97-AF65-F5344CB8AC3E}">
-        <p14:creationId xmlns="" xmlns:p14="http://schemas.microsoft.com/office/powerpoint/2010/main" val="477607843"/>
+        <p14:creationId xmlns:p14="http://schemas.microsoft.com/office/powerpoint/2010/main" val="477607843"/>
       </p:ext>
     </p:extLst>
   </p:cSld>
@@ -746,7 +749,7 @@
             <a:fld id="{53074F12-AA26-4AC8-9962-C36BB8F32554}" type="datetimeFigureOut">
               <a:rPr lang="en-US" smtClean="0"/>
               <a:pPr/>
-              <a:t>28-Jun-16</a:t>
+              <a:t>6/28/2016</a:t>
             </a:fld>
             <a:endParaRPr lang="en-US"/>
           </a:p>
@@ -798,7 +801,7 @@
     </p:spTree>
     <p:extLst>
       <p:ext uri="{BB962C8B-B14F-4D97-AF65-F5344CB8AC3E}">
-        <p14:creationId xmlns="" xmlns:p14="http://schemas.microsoft.com/office/powerpoint/2010/main" val="3428665726"/>
+        <p14:creationId xmlns:p14="http://schemas.microsoft.com/office/powerpoint/2010/main" val="3428665726"/>
       </p:ext>
     </p:extLst>
   </p:cSld>
@@ -928,7 +931,7 @@
             <a:fld id="{53074F12-AA26-4AC8-9962-C36BB8F32554}" type="datetimeFigureOut">
               <a:rPr lang="en-US" smtClean="0"/>
               <a:pPr/>
-              <a:t>28-Jun-16</a:t>
+              <a:t>6/28/2016</a:t>
             </a:fld>
             <a:endParaRPr lang="en-US"/>
           </a:p>
@@ -980,7 +983,7 @@
     </p:spTree>
     <p:extLst>
       <p:ext uri="{BB962C8B-B14F-4D97-AF65-F5344CB8AC3E}">
-        <p14:creationId xmlns="" xmlns:p14="http://schemas.microsoft.com/office/powerpoint/2010/main" val="893609949"/>
+        <p14:creationId xmlns:p14="http://schemas.microsoft.com/office/powerpoint/2010/main" val="893609949"/>
       </p:ext>
     </p:extLst>
   </p:cSld>
@@ -1156,7 +1159,7 @@
             <a:fld id="{53074F12-AA26-4AC8-9962-C36BB8F32554}" type="datetimeFigureOut">
               <a:rPr lang="en-US" smtClean="0"/>
               <a:pPr/>
-              <a:t>28-Jun-16</a:t>
+              <a:t>6/28/2016</a:t>
             </a:fld>
             <a:endParaRPr lang="en-US"/>
           </a:p>
@@ -1208,7 +1211,7 @@
     </p:spTree>
     <p:extLst>
       <p:ext uri="{BB962C8B-B14F-4D97-AF65-F5344CB8AC3E}">
-        <p14:creationId xmlns="" xmlns:p14="http://schemas.microsoft.com/office/powerpoint/2010/main" val="1664471362"/>
+        <p14:creationId xmlns:p14="http://schemas.microsoft.com/office/powerpoint/2010/main" val="1664471362"/>
       </p:ext>
     </p:extLst>
   </p:cSld>
@@ -1384,7 +1387,7 @@
             <a:fld id="{53074F12-AA26-4AC8-9962-C36BB8F32554}" type="datetimeFigureOut">
               <a:rPr lang="en-US" smtClean="0"/>
               <a:pPr/>
-              <a:t>28-Jun-16</a:t>
+              <a:t>6/28/2016</a:t>
             </a:fld>
             <a:endParaRPr lang="en-US"/>
           </a:p>
@@ -1436,7 +1439,7 @@
     </p:spTree>
     <p:extLst>
       <p:ext uri="{BB962C8B-B14F-4D97-AF65-F5344CB8AC3E}">
-        <p14:creationId xmlns="" xmlns:p14="http://schemas.microsoft.com/office/powerpoint/2010/main" val="1629391393"/>
+        <p14:creationId xmlns:p14="http://schemas.microsoft.com/office/powerpoint/2010/main" val="1629391393"/>
       </p:ext>
     </p:extLst>
   </p:cSld>
@@ -1632,7 +1635,7 @@
             <a:fld id="{53074F12-AA26-4AC8-9962-C36BB8F32554}" type="datetimeFigureOut">
               <a:rPr lang="en-US" smtClean="0"/>
               <a:pPr/>
-              <a:t>28-Jun-16</a:t>
+              <a:t>6/28/2016</a:t>
             </a:fld>
             <a:endParaRPr lang="en-US"/>
           </a:p>
@@ -1684,7 +1687,7 @@
     </p:spTree>
     <p:extLst>
       <p:ext uri="{BB962C8B-B14F-4D97-AF65-F5344CB8AC3E}">
-        <p14:creationId xmlns="" xmlns:p14="http://schemas.microsoft.com/office/powerpoint/2010/main" val="3863441575"/>
+        <p14:creationId xmlns:p14="http://schemas.microsoft.com/office/powerpoint/2010/main" val="3863441575"/>
       </p:ext>
     </p:extLst>
   </p:cSld>
@@ -1922,7 +1925,7 @@
             <a:fld id="{53074F12-AA26-4AC8-9962-C36BB8F32554}" type="datetimeFigureOut">
               <a:rPr lang="en-US" smtClean="0"/>
               <a:pPr/>
-              <a:t>28-Jun-16</a:t>
+              <a:t>6/28/2016</a:t>
             </a:fld>
             <a:endParaRPr lang="en-US"/>
           </a:p>
@@ -1974,7 +1977,7 @@
     </p:spTree>
     <p:extLst>
       <p:ext uri="{BB962C8B-B14F-4D97-AF65-F5344CB8AC3E}">
-        <p14:creationId xmlns="" xmlns:p14="http://schemas.microsoft.com/office/powerpoint/2010/main" val="3556791830"/>
+        <p14:creationId xmlns:p14="http://schemas.microsoft.com/office/powerpoint/2010/main" val="3556791830"/>
       </p:ext>
     </p:extLst>
   </p:cSld>
@@ -2405,7 +2408,7 @@
             <a:fld id="{53074F12-AA26-4AC8-9962-C36BB8F32554}" type="datetimeFigureOut">
               <a:rPr lang="en-US" smtClean="0"/>
               <a:pPr/>
-              <a:t>28-Jun-16</a:t>
+              <a:t>6/28/2016</a:t>
             </a:fld>
             <a:endParaRPr lang="en-US"/>
           </a:p>
@@ -2457,7 +2460,7 @@
     </p:spTree>
     <p:extLst>
       <p:ext uri="{BB962C8B-B14F-4D97-AF65-F5344CB8AC3E}">
-        <p14:creationId xmlns="" xmlns:p14="http://schemas.microsoft.com/office/powerpoint/2010/main" val="4122911988"/>
+        <p14:creationId xmlns:p14="http://schemas.microsoft.com/office/powerpoint/2010/main" val="4122911988"/>
       </p:ext>
     </p:extLst>
   </p:cSld>
@@ -2525,7 +2528,7 @@
             <a:fld id="{53074F12-AA26-4AC8-9962-C36BB8F32554}" type="datetimeFigureOut">
               <a:rPr lang="en-US" smtClean="0"/>
               <a:pPr/>
-              <a:t>28-Jun-16</a:t>
+              <a:t>6/28/2016</a:t>
             </a:fld>
             <a:endParaRPr lang="en-US"/>
           </a:p>
@@ -2577,7 +2580,7 @@
     </p:spTree>
     <p:extLst>
       <p:ext uri="{BB962C8B-B14F-4D97-AF65-F5344CB8AC3E}">
-        <p14:creationId xmlns="" xmlns:p14="http://schemas.microsoft.com/office/powerpoint/2010/main" val="3029773110"/>
+        <p14:creationId xmlns:p14="http://schemas.microsoft.com/office/powerpoint/2010/main" val="3029773110"/>
       </p:ext>
     </p:extLst>
   </p:cSld>
@@ -2622,7 +2625,7 @@
             <a:fld id="{53074F12-AA26-4AC8-9962-C36BB8F32554}" type="datetimeFigureOut">
               <a:rPr lang="en-US" smtClean="0"/>
               <a:pPr/>
-              <a:t>28-Jun-16</a:t>
+              <a:t>6/28/2016</a:t>
             </a:fld>
             <a:endParaRPr lang="en-US"/>
           </a:p>
@@ -2674,7 +2677,7 @@
     </p:spTree>
     <p:extLst>
       <p:ext uri="{BB962C8B-B14F-4D97-AF65-F5344CB8AC3E}">
-        <p14:creationId xmlns="" xmlns:p14="http://schemas.microsoft.com/office/powerpoint/2010/main" val="4251864075"/>
+        <p14:creationId xmlns:p14="http://schemas.microsoft.com/office/powerpoint/2010/main" val="4251864075"/>
       </p:ext>
     </p:extLst>
   </p:cSld>
@@ -2901,7 +2904,7 @@
             <a:fld id="{53074F12-AA26-4AC8-9962-C36BB8F32554}" type="datetimeFigureOut">
               <a:rPr lang="en-US" smtClean="0"/>
               <a:pPr/>
-              <a:t>28-Jun-16</a:t>
+              <a:t>6/28/2016</a:t>
             </a:fld>
             <a:endParaRPr lang="en-US"/>
           </a:p>
@@ -2953,7 +2956,7 @@
     </p:spTree>
     <p:extLst>
       <p:ext uri="{BB962C8B-B14F-4D97-AF65-F5344CB8AC3E}">
-        <p14:creationId xmlns="" xmlns:p14="http://schemas.microsoft.com/office/powerpoint/2010/main" val="3174452648"/>
+        <p14:creationId xmlns:p14="http://schemas.microsoft.com/office/powerpoint/2010/main" val="3174452648"/>
       </p:ext>
     </p:extLst>
   </p:cSld>
@@ -3125,7 +3128,7 @@
             <a:fld id="{53074F12-AA26-4AC8-9962-C36BB8F32554}" type="datetimeFigureOut">
               <a:rPr lang="en-US" smtClean="0"/>
               <a:pPr/>
-              <a:t>28-Jun-16</a:t>
+              <a:t>6/28/2016</a:t>
             </a:fld>
             <a:endParaRPr lang="en-US"/>
           </a:p>
@@ -3213,7 +3216,7 @@
     </p:spTree>
     <p:extLst>
       <p:ext uri="{BB962C8B-B14F-4D97-AF65-F5344CB8AC3E}">
-        <p14:creationId xmlns="" xmlns:p14="http://schemas.microsoft.com/office/powerpoint/2010/main" val="1944039382"/>
+        <p14:creationId xmlns:p14="http://schemas.microsoft.com/office/powerpoint/2010/main" val="1944039382"/>
       </p:ext>
     </p:extLst>
   </p:cSld>
@@ -3576,7 +3579,183 @@
     </p:spTree>
     <p:extLst>
       <p:ext uri="{BB962C8B-B14F-4D97-AF65-F5344CB8AC3E}">
-        <p14:creationId xmlns="" xmlns:p14="http://schemas.microsoft.com/office/powerpoint/2010/main" val="363920370"/>
+        <p14:creationId xmlns:p14="http://schemas.microsoft.com/office/powerpoint/2010/main" val="363920370"/>
+      </p:ext>
+    </p:extLst>
+  </p:cSld>
+  <p:clrMapOvr>
+    <a:masterClrMapping/>
+  </p:clrMapOvr>
+</p:sld>
+</file>
+
+<file path=ppt/slides/slide10.xml><?xml version="1.0" encoding="utf-8"?>
+<p:sld xmlns:a="http://schemas.openxmlformats.org/drawingml/2006/main" xmlns:r="http://schemas.openxmlformats.org/officeDocument/2006/relationships" xmlns:p="http://schemas.openxmlformats.org/presentationml/2006/main">
+  <p:cSld>
+    <p:spTree>
+      <p:nvGrpSpPr>
+        <p:cNvPr id="1" name=""/>
+        <p:cNvGrpSpPr/>
+        <p:nvPr/>
+      </p:nvGrpSpPr>
+      <p:grpSpPr>
+        <a:xfrm>
+          <a:off x="0" y="0"/>
+          <a:ext cx="0" cy="0"/>
+          <a:chOff x="0" y="0"/>
+          <a:chExt cx="0" cy="0"/>
+        </a:xfrm>
+      </p:grpSpPr>
+      <p:sp>
+        <p:nvSpPr>
+          <p:cNvPr id="4" name="Title 3"/>
+          <p:cNvSpPr>
+            <a:spLocks noGrp="1"/>
+          </p:cNvSpPr>
+          <p:nvPr>
+            <p:ph type="title"/>
+          </p:nvPr>
+        </p:nvSpPr>
+        <p:spPr>
+          <a:xfrm>
+            <a:off x="1823310" y="374900"/>
+            <a:ext cx="7177135" cy="532180"/>
+          </a:xfrm>
+        </p:spPr>
+        <p:txBody>
+          <a:bodyPr>
+            <a:normAutofit fontScale="90000"/>
+          </a:bodyPr>
+          <a:lstStyle/>
+          <a:p>
+            <a:r>
+              <a:rPr lang="en-US" dirty="0" smtClean="0"/>
+              <a:t>Slide Title</a:t>
+            </a:r>
+            <a:endParaRPr lang="en-US" dirty="0"/>
+          </a:p>
+        </p:txBody>
+      </p:sp>
+      <p:sp>
+        <p:nvSpPr>
+          <p:cNvPr id="5" name="Text Placeholder 4"/>
+          <p:cNvSpPr>
+            <a:spLocks noGrp="1"/>
+          </p:cNvSpPr>
+          <p:nvPr>
+            <p:ph type="body" idx="1"/>
+          </p:nvPr>
+        </p:nvSpPr>
+        <p:spPr/>
+        <p:txBody>
+          <a:bodyPr/>
+          <a:lstStyle/>
+          <a:p>
+            <a:r>
+              <a:rPr lang="en-US" smtClean="0"/>
+              <a:t>Product A</a:t>
+            </a:r>
+            <a:endParaRPr lang="en-US"/>
+          </a:p>
+        </p:txBody>
+      </p:sp>
+      <p:sp>
+        <p:nvSpPr>
+          <p:cNvPr id="6" name="Content Placeholder 5"/>
+          <p:cNvSpPr>
+            <a:spLocks noGrp="1"/>
+          </p:cNvSpPr>
+          <p:nvPr>
+            <p:ph sz="half" idx="2"/>
+          </p:nvPr>
+        </p:nvSpPr>
+        <p:spPr/>
+        <p:txBody>
+          <a:bodyPr/>
+          <a:lstStyle/>
+          <a:p>
+            <a:r>
+              <a:rPr lang="en-US" dirty="0" smtClean="0"/>
+              <a:t>Feature 1</a:t>
+            </a:r>
+          </a:p>
+          <a:p>
+            <a:r>
+              <a:rPr lang="en-US" dirty="0" smtClean="0"/>
+              <a:t>Feature 2</a:t>
+            </a:r>
+          </a:p>
+          <a:p>
+            <a:r>
+              <a:rPr lang="en-US" dirty="0" smtClean="0"/>
+              <a:t>Feature 3</a:t>
+            </a:r>
+            <a:endParaRPr lang="en-US" dirty="0"/>
+          </a:p>
+        </p:txBody>
+      </p:sp>
+      <p:sp>
+        <p:nvSpPr>
+          <p:cNvPr id="7" name="Text Placeholder 6"/>
+          <p:cNvSpPr>
+            <a:spLocks noGrp="1"/>
+          </p:cNvSpPr>
+          <p:nvPr>
+            <p:ph type="body" sz="quarter" idx="3"/>
+          </p:nvPr>
+        </p:nvSpPr>
+        <p:spPr/>
+        <p:txBody>
+          <a:bodyPr/>
+          <a:lstStyle/>
+          <a:p>
+            <a:r>
+              <a:rPr lang="en-US" smtClean="0"/>
+              <a:t>Product B</a:t>
+            </a:r>
+            <a:endParaRPr lang="en-US"/>
+          </a:p>
+        </p:txBody>
+      </p:sp>
+      <p:sp>
+        <p:nvSpPr>
+          <p:cNvPr id="8" name="Content Placeholder 7"/>
+          <p:cNvSpPr>
+            <a:spLocks noGrp="1"/>
+          </p:cNvSpPr>
+          <p:nvPr>
+            <p:ph sz="quarter" idx="4"/>
+          </p:nvPr>
+        </p:nvSpPr>
+        <p:spPr/>
+        <p:txBody>
+          <a:bodyPr/>
+          <a:lstStyle/>
+          <a:p>
+            <a:r>
+              <a:rPr lang="en-US" dirty="0" smtClean="0"/>
+              <a:t>Feature 1</a:t>
+            </a:r>
+          </a:p>
+          <a:p>
+            <a:r>
+              <a:rPr lang="en-US" dirty="0" smtClean="0"/>
+              <a:t>Feature 2</a:t>
+            </a:r>
+          </a:p>
+          <a:p>
+            <a:r>
+              <a:rPr lang="en-US" dirty="0" smtClean="0"/>
+              <a:t>Feature 3</a:t>
+            </a:r>
+            <a:endParaRPr lang="en-US" dirty="0"/>
+          </a:p>
+        </p:txBody>
+      </p:sp>
+    </p:spTree>
+    <p:extLst>
+      <p:ext uri="{BB962C8B-B14F-4D97-AF65-F5344CB8AC3E}">
+        <p14:creationId xmlns:p14="http://schemas.microsoft.com/office/powerpoint/2010/main" val="1791936940"/>
       </p:ext>
     </p:extLst>
   </p:cSld>
@@ -3682,7 +3861,7 @@
     </p:spTree>
     <p:extLst>
       <p:ext uri="{BB962C8B-B14F-4D97-AF65-F5344CB8AC3E}">
-        <p14:creationId xmlns="" xmlns:p14="http://schemas.microsoft.com/office/powerpoint/2010/main" val="4103309497"/>
+        <p14:creationId xmlns:p14="http://schemas.microsoft.com/office/powerpoint/2010/main" val="4103309497"/>
       </p:ext>
     </p:extLst>
   </p:cSld>
@@ -3783,7 +3962,7 @@
     </p:spTree>
     <p:extLst>
       <p:ext uri="{BB962C8B-B14F-4D97-AF65-F5344CB8AC3E}">
-        <p14:creationId xmlns="" xmlns:p14="http://schemas.microsoft.com/office/powerpoint/2010/main" val="4103309497"/>
+        <p14:creationId xmlns:p14="http://schemas.microsoft.com/office/powerpoint/2010/main" val="4103309497"/>
       </p:ext>
     </p:extLst>
   </p:cSld>
@@ -3966,7 +4145,7 @@
     </p:spTree>
     <p:extLst>
       <p:ext uri="{BB962C8B-B14F-4D97-AF65-F5344CB8AC3E}">
-        <p14:creationId xmlns="" xmlns:p14="http://schemas.microsoft.com/office/powerpoint/2010/main" val="1101633878"/>
+        <p14:creationId xmlns:p14="http://schemas.microsoft.com/office/powerpoint/2010/main" val="1101633878"/>
       </p:ext>
     </p:extLst>
   </p:cSld>
@@ -4046,25 +4225,35 @@
           </a:p>
         </p:txBody>
       </p:sp>
-      <p:sp>
-        <p:nvSpPr>
-          <p:cNvPr id="6" name="Content Placeholder 5"/>
-          <p:cNvSpPr>
-            <a:spLocks noGrp="1"/>
-          </p:cNvSpPr>
+      <p:pic>
+        <p:nvPicPr>
+          <p:cNvPr id="2" name="Content Placeholder 1"/>
+          <p:cNvPicPr>
+            <a:picLocks noGrp="1"/>
+          </p:cNvPicPr>
           <p:nvPr>
             <p:ph sz="half" idx="2"/>
           </p:nvPr>
-        </p:nvSpPr>
-        <p:spPr/>
-        <p:txBody>
-          <a:bodyPr/>
-          <a:lstStyle/>
-          <a:p>
-            <a:endParaRPr lang="en-US" dirty="0"/>
-          </a:p>
-        </p:txBody>
-      </p:sp>
+        </p:nvPicPr>
+        <p:blipFill>
+          <a:blip r:embed="rId2" cstate="print">
+            <a:extLst>
+              <a:ext uri="{28A0092B-C50C-407E-A947-70E740481C1C}">
+                <a14:useLocalDpi xmlns:a14="http://schemas.microsoft.com/office/drawing/2010/main" val="0"/>
+              </a:ext>
+            </a:extLst>
+          </a:blip>
+          <a:stretch>
+            <a:fillRect/>
+          </a:stretch>
+        </p:blipFill>
+        <p:spPr>
+          <a:xfrm>
+            <a:off x="539496" y="2532888"/>
+            <a:ext cx="4041648" cy="3035808"/>
+          </a:xfrm>
+        </p:spPr>
+      </p:pic>
       <p:sp>
         <p:nvSpPr>
           <p:cNvPr id="7" name="Text Placeholder 6"/>
@@ -4099,7 +4288,7 @@
           </p:nvPr>
         </p:nvPicPr>
         <p:blipFill>
-          <a:blip r:embed="rId2"/>
+          <a:blip r:embed="rId3"/>
           <a:stretch>
             <a:fillRect/>
           </a:stretch>
@@ -4114,7 +4303,7 @@
     </p:spTree>
     <p:extLst>
       <p:ext uri="{BB962C8B-B14F-4D97-AF65-F5344CB8AC3E}">
-        <p14:creationId xmlns="" xmlns:p14="http://schemas.microsoft.com/office/powerpoint/2010/main" val="4170783713"/>
+        <p14:creationId xmlns:p14="http://schemas.microsoft.com/office/powerpoint/2010/main" val="4170783713"/>
       </p:ext>
     </p:extLst>
   </p:cSld>
@@ -4194,41 +4383,35 @@
           </a:p>
         </p:txBody>
       </p:sp>
-      <p:sp>
-        <p:nvSpPr>
-          <p:cNvPr id="6" name="Content Placeholder 5"/>
-          <p:cNvSpPr>
-            <a:spLocks noGrp="1"/>
-          </p:cNvSpPr>
+      <p:pic>
+        <p:nvPicPr>
+          <p:cNvPr id="9" name="Content Placeholder 8"/>
+          <p:cNvPicPr>
+            <a:picLocks noGrp="1"/>
+          </p:cNvPicPr>
           <p:nvPr>
             <p:ph sz="half" idx="2"/>
           </p:nvPr>
-        </p:nvSpPr>
-        <p:spPr/>
-        <p:txBody>
-          <a:bodyPr/>
-          <a:lstStyle/>
-          <a:p>
-            <a:r>
-              <a:rPr lang="en-US" smtClean="0"/>
-              <a:t>Feature 1</a:t>
-            </a:r>
-          </a:p>
-          <a:p>
-            <a:r>
-              <a:rPr lang="en-US" smtClean="0"/>
-              <a:t>Feature 2</a:t>
-            </a:r>
-          </a:p>
-          <a:p>
-            <a:r>
-              <a:rPr lang="en-US" smtClean="0"/>
-              <a:t>Feature 3</a:t>
-            </a:r>
-            <a:endParaRPr lang="en-US"/>
-          </a:p>
-        </p:txBody>
-      </p:sp>
+        </p:nvPicPr>
+        <p:blipFill>
+          <a:blip r:embed="rId2">
+            <a:extLst>
+              <a:ext uri="{28A0092B-C50C-407E-A947-70E740481C1C}">
+                <a14:useLocalDpi xmlns:a14="http://schemas.microsoft.com/office/drawing/2010/main" val="0"/>
+              </a:ext>
+            </a:extLst>
+          </a:blip>
+          <a:stretch>
+            <a:fillRect/>
+          </a:stretch>
+        </p:blipFill>
+        <p:spPr>
+          <a:xfrm>
+            <a:off x="536575" y="2532888"/>
+            <a:ext cx="4040188" cy="3035808"/>
+          </a:xfrm>
+        </p:spPr>
+      </p:pic>
       <p:sp>
         <p:nvSpPr>
           <p:cNvPr id="7" name="Text Placeholder 6"/>
@@ -4252,45 +4435,287 @@
           </a:p>
         </p:txBody>
       </p:sp>
-      <p:sp>
-        <p:nvSpPr>
-          <p:cNvPr id="8" name="Content Placeholder 7"/>
-          <p:cNvSpPr>
-            <a:spLocks noGrp="1"/>
-          </p:cNvSpPr>
+      <p:pic>
+        <p:nvPicPr>
+          <p:cNvPr id="10" name="Content Placeholder 9"/>
+          <p:cNvPicPr>
+            <a:picLocks noGrp="1"/>
+          </p:cNvPicPr>
           <p:nvPr>
             <p:ph sz="quarter" idx="4"/>
           </p:nvPr>
-        </p:nvSpPr>
-        <p:spPr/>
-        <p:txBody>
-          <a:bodyPr/>
-          <a:lstStyle/>
-          <a:p>
-            <a:r>
-              <a:rPr lang="en-US" dirty="0" smtClean="0"/>
-              <a:t>Feature 1</a:t>
-            </a:r>
-          </a:p>
-          <a:p>
-            <a:r>
-              <a:rPr lang="en-US" dirty="0" smtClean="0"/>
-              <a:t>Feature 2</a:t>
-            </a:r>
-          </a:p>
-          <a:p>
-            <a:r>
-              <a:rPr lang="en-US" dirty="0" smtClean="0"/>
-              <a:t>Feature 3</a:t>
-            </a:r>
-            <a:endParaRPr lang="en-US" dirty="0"/>
-          </a:p>
-        </p:txBody>
-      </p:sp>
+        </p:nvPicPr>
+        <p:blipFill>
+          <a:blip r:embed="rId3" cstate="print">
+            <a:extLst>
+              <a:ext uri="{28A0092B-C50C-407E-A947-70E740481C1C}">
+                <a14:useLocalDpi xmlns:a14="http://schemas.microsoft.com/office/drawing/2010/main" val="0"/>
+              </a:ext>
+            </a:extLst>
+          </a:blip>
+          <a:stretch>
+            <a:fillRect/>
+          </a:stretch>
+        </p:blipFill>
+        <p:spPr>
+          <a:xfrm>
+            <a:off x="4727448" y="2532888"/>
+            <a:ext cx="4041648" cy="3035808"/>
+          </a:xfrm>
+        </p:spPr>
+      </p:pic>
     </p:spTree>
     <p:extLst>
       <p:ext uri="{BB962C8B-B14F-4D97-AF65-F5344CB8AC3E}">
-        <p14:creationId xmlns="" xmlns:p14="http://schemas.microsoft.com/office/powerpoint/2010/main" val="4170783713"/>
+        <p14:creationId xmlns:p14="http://schemas.microsoft.com/office/powerpoint/2010/main" val="4170783713"/>
+      </p:ext>
+    </p:extLst>
+  </p:cSld>
+  <p:clrMapOvr>
+    <a:masterClrMapping/>
+  </p:clrMapOvr>
+</p:sld>
+</file>
+
+<file path=ppt/slides/slide8.xml><?xml version="1.0" encoding="utf-8"?>
+<p:sld xmlns:a="http://schemas.openxmlformats.org/drawingml/2006/main" xmlns:r="http://schemas.openxmlformats.org/officeDocument/2006/relationships" xmlns:p="http://schemas.openxmlformats.org/presentationml/2006/main">
+  <p:cSld>
+    <p:spTree>
+      <p:nvGrpSpPr>
+        <p:cNvPr id="1" name=""/>
+        <p:cNvGrpSpPr/>
+        <p:nvPr/>
+      </p:nvGrpSpPr>
+      <p:grpSpPr>
+        <a:xfrm>
+          <a:off x="0" y="0"/>
+          <a:ext cx="0" cy="0"/>
+          <a:chOff x="0" y="0"/>
+          <a:chExt cx="0" cy="0"/>
+        </a:xfrm>
+      </p:grpSpPr>
+      <p:sp>
+        <p:nvSpPr>
+          <p:cNvPr id="4" name="Title 3"/>
+          <p:cNvSpPr>
+            <a:spLocks noGrp="1"/>
+          </p:cNvSpPr>
+          <p:nvPr>
+            <p:ph type="title"/>
+          </p:nvPr>
+        </p:nvSpPr>
+        <p:spPr>
+          <a:xfrm>
+            <a:off x="1823310" y="374900"/>
+            <a:ext cx="7177135" cy="532180"/>
+          </a:xfrm>
+        </p:spPr>
+        <p:txBody>
+          <a:bodyPr>
+            <a:normAutofit fontScale="90000"/>
+          </a:bodyPr>
+          <a:lstStyle/>
+          <a:p>
+            <a:r>
+              <a:rPr lang="en-US" dirty="0" smtClean="0"/>
+              <a:t>Slide Title</a:t>
+            </a:r>
+            <a:endParaRPr lang="en-US" dirty="0"/>
+          </a:p>
+        </p:txBody>
+      </p:sp>
+      <p:sp>
+        <p:nvSpPr>
+          <p:cNvPr id="5" name="Text Placeholder 4"/>
+          <p:cNvSpPr>
+            <a:spLocks noGrp="1"/>
+          </p:cNvSpPr>
+          <p:nvPr>
+            <p:ph type="body" idx="1"/>
+          </p:nvPr>
+        </p:nvSpPr>
+        <p:spPr/>
+        <p:txBody>
+          <a:bodyPr/>
+          <a:lstStyle/>
+          <a:p>
+            <a:r>
+              <a:rPr lang="en-US" dirty="0" smtClean="0"/>
+              <a:t>Product A</a:t>
+            </a:r>
+            <a:endParaRPr lang="en-US" dirty="0"/>
+          </a:p>
+        </p:txBody>
+      </p:sp>
+      <p:pic>
+        <p:nvPicPr>
+          <p:cNvPr id="2" name="Content Placeholder 1"/>
+          <p:cNvPicPr>
+            <a:picLocks noGrp="1"/>
+          </p:cNvPicPr>
+          <p:nvPr>
+            <p:ph sz="half" idx="2"/>
+          </p:nvPr>
+        </p:nvPicPr>
+        <p:blipFill>
+          <a:blip r:embed="rId2">
+            <a:extLst>
+              <a:ext uri="{28A0092B-C50C-407E-A947-70E740481C1C}">
+                <a14:useLocalDpi xmlns:a14="http://schemas.microsoft.com/office/drawing/2010/main" val="0"/>
+              </a:ext>
+            </a:extLst>
+          </a:blip>
+          <a:stretch>
+            <a:fillRect/>
+          </a:stretch>
+        </p:blipFill>
+        <p:spPr>
+          <a:xfrm>
+            <a:off x="539496" y="2532888"/>
+            <a:ext cx="4041648" cy="3035808"/>
+          </a:xfrm>
+        </p:spPr>
+      </p:pic>
+      <p:sp>
+        <p:nvSpPr>
+          <p:cNvPr id="7" name="Text Placeholder 6"/>
+          <p:cNvSpPr>
+            <a:spLocks noGrp="1"/>
+          </p:cNvSpPr>
+          <p:nvPr>
+            <p:ph type="body" sz="quarter" idx="3"/>
+          </p:nvPr>
+        </p:nvSpPr>
+        <p:spPr/>
+        <p:txBody>
+          <a:bodyPr/>
+          <a:lstStyle/>
+          <a:p>
+            <a:r>
+              <a:rPr lang="en-US" smtClean="0"/>
+              <a:t>Product B</a:t>
+            </a:r>
+            <a:endParaRPr lang="en-US"/>
+          </a:p>
+        </p:txBody>
+      </p:sp>
+      <p:pic>
+        <p:nvPicPr>
+          <p:cNvPr id="3" name="Content Placeholder 2"/>
+          <p:cNvPicPr>
+            <a:picLocks noGrp="1"/>
+          </p:cNvPicPr>
+          <p:nvPr>
+            <p:ph sz="quarter" idx="4"/>
+          </p:nvPr>
+        </p:nvPicPr>
+        <p:blipFill>
+          <a:blip r:embed="rId3" cstate="print">
+            <a:extLst>
+              <a:ext uri="{28A0092B-C50C-407E-A947-70E740481C1C}">
+                <a14:useLocalDpi xmlns:a14="http://schemas.microsoft.com/office/drawing/2010/main" val="0"/>
+              </a:ext>
+            </a:extLst>
+          </a:blip>
+          <a:stretch>
+            <a:fillRect/>
+          </a:stretch>
+        </p:blipFill>
+        <p:spPr>
+          <a:xfrm>
+            <a:off x="4724400" y="2532888"/>
+            <a:ext cx="4041775" cy="3035808"/>
+          </a:xfrm>
+        </p:spPr>
+      </p:pic>
+    </p:spTree>
+    <p:extLst>
+      <p:ext uri="{BB962C8B-B14F-4D97-AF65-F5344CB8AC3E}">
+        <p14:creationId xmlns:p14="http://schemas.microsoft.com/office/powerpoint/2010/main" val="3716113921"/>
+      </p:ext>
+    </p:extLst>
+  </p:cSld>
+  <p:clrMapOvr>
+    <a:masterClrMapping/>
+  </p:clrMapOvr>
+</p:sld>
+</file>
+
+<file path=ppt/slides/slide9.xml><?xml version="1.0" encoding="utf-8"?>
+<p:sld xmlns:a="http://schemas.openxmlformats.org/drawingml/2006/main" xmlns:r="http://schemas.openxmlformats.org/officeDocument/2006/relationships" xmlns:p="http://schemas.openxmlformats.org/presentationml/2006/main">
+  <p:cSld>
+    <p:spTree>
+      <p:nvGrpSpPr>
+        <p:cNvPr id="1" name=""/>
+        <p:cNvGrpSpPr/>
+        <p:nvPr/>
+      </p:nvGrpSpPr>
+      <p:grpSpPr>
+        <a:xfrm>
+          <a:off x="0" y="0"/>
+          <a:ext cx="0" cy="0"/>
+          <a:chOff x="0" y="0"/>
+          <a:chExt cx="0" cy="0"/>
+        </a:xfrm>
+      </p:grpSpPr>
+      <p:sp>
+        <p:nvSpPr>
+          <p:cNvPr id="4" name="Title 3"/>
+          <p:cNvSpPr>
+            <a:spLocks noGrp="1"/>
+          </p:cNvSpPr>
+          <p:nvPr>
+            <p:ph type="title"/>
+          </p:nvPr>
+        </p:nvSpPr>
+        <p:spPr/>
+        <p:txBody>
+          <a:bodyPr>
+            <a:normAutofit fontScale="90000"/>
+          </a:bodyPr>
+          <a:lstStyle/>
+          <a:p>
+            <a:r>
+              <a:rPr lang="en-US" dirty="0" smtClean="0"/>
+              <a:t>Slide Title</a:t>
+            </a:r>
+            <a:endParaRPr lang="en-US" dirty="0"/>
+          </a:p>
+        </p:txBody>
+      </p:sp>
+      <p:pic>
+        <p:nvPicPr>
+          <p:cNvPr id="12" name="Content Placeholder 11"/>
+          <p:cNvPicPr>
+            <a:picLocks noGrp="1" noChangeAspect="1"/>
+          </p:cNvPicPr>
+          <p:nvPr>
+            <p:ph idx="1"/>
+          </p:nvPr>
+        </p:nvPicPr>
+        <p:blipFill>
+          <a:blip r:embed="rId2">
+            <a:extLst>
+              <a:ext uri="{28A0092B-C50C-407E-A947-70E740481C1C}">
+                <a14:useLocalDpi xmlns:a14="http://schemas.microsoft.com/office/drawing/2010/main" val="0"/>
+              </a:ext>
+            </a:extLst>
+          </a:blip>
+          <a:stretch>
+            <a:fillRect/>
+          </a:stretch>
+        </p:blipFill>
+        <p:spPr>
+          <a:xfrm>
+            <a:off x="1981200" y="2206624"/>
+            <a:ext cx="6781800" cy="4041775"/>
+          </a:xfrm>
+        </p:spPr>
+      </p:pic>
+    </p:spTree>
+    <p:extLst>
+      <p:ext uri="{BB962C8B-B14F-4D97-AF65-F5344CB8AC3E}">
+        <p14:creationId xmlns:p14="http://schemas.microsoft.com/office/powerpoint/2010/main" val="3606199004"/>
       </p:ext>
     </p:extLst>
   </p:cSld>
